--- a/ppt 16-9/1113.主爱滋润我心.pptx
+++ b/ppt 16-9/1113.主爱滋润我心.pptx
@@ -129,7 +129,7 @@
           <p:cNvPr id="2" name="标题 1">
             <a:extLst>
               <a:ext uri="{FF2B5EF4-FFF2-40B4-BE49-F238E27FC236}">
-                <a16:creationId xmlns:a16="http://schemas.microsoft.com/office/drawing/2014/main" id="{91F49EAF-0B40-EE1D-3520-90023A068BDC}"/>
+                <a16:creationId xmlns:a16="http://schemas.microsoft.com/office/drawing/2014/main" id="{5CAFCC83-E596-A457-C0FD-B9F90B88C60A}"/>
               </a:ext>
             </a:extLst>
           </p:cNvPr>
@@ -166,7 +166,7 @@
           <p:cNvPr id="3" name="副标题 2">
             <a:extLst>
               <a:ext uri="{FF2B5EF4-FFF2-40B4-BE49-F238E27FC236}">
-                <a16:creationId xmlns:a16="http://schemas.microsoft.com/office/drawing/2014/main" id="{CB4D87C9-11D7-C7C8-4198-3CFE35BCF0C0}"/>
+                <a16:creationId xmlns:a16="http://schemas.microsoft.com/office/drawing/2014/main" id="{A9BC854D-0B64-2D8E-CB30-459D83494EB1}"/>
               </a:ext>
             </a:extLst>
           </p:cNvPr>
@@ -236,7 +236,7 @@
           <p:cNvPr id="4" name="日期占位符 3">
             <a:extLst>
               <a:ext uri="{FF2B5EF4-FFF2-40B4-BE49-F238E27FC236}">
-                <a16:creationId xmlns:a16="http://schemas.microsoft.com/office/drawing/2014/main" id="{74FFE269-1F8E-3A90-209D-374722FCE195}"/>
+                <a16:creationId xmlns:a16="http://schemas.microsoft.com/office/drawing/2014/main" id="{4B078662-CE8B-6B20-6180-D5E42263A813}"/>
               </a:ext>
             </a:extLst>
           </p:cNvPr>
@@ -252,7 +252,7 @@
           <a:bodyPr/>
           <a:lstStyle/>
           <a:p>
-            <a:fld id="{3339534A-07E4-4BBD-892B-459519878A6D}" type="datetimeFigureOut">
+            <a:fld id="{829EA1C9-A844-4388-80A0-97C227676C1A}" type="datetimeFigureOut">
               <a:rPr lang="zh-CN" altLang="en-US" smtClean="0"/>
               <a:t>2024/3/10</a:t>
             </a:fld>
@@ -265,7 +265,7 @@
           <p:cNvPr id="5" name="页脚占位符 4">
             <a:extLst>
               <a:ext uri="{FF2B5EF4-FFF2-40B4-BE49-F238E27FC236}">
-                <a16:creationId xmlns:a16="http://schemas.microsoft.com/office/drawing/2014/main" id="{507A0D7D-E3D0-42A2-7B50-7FAE40F37633}"/>
+                <a16:creationId xmlns:a16="http://schemas.microsoft.com/office/drawing/2014/main" id="{82E60541-FC13-9584-737C-473F44C35B41}"/>
               </a:ext>
             </a:extLst>
           </p:cNvPr>
@@ -290,7 +290,7 @@
           <p:cNvPr id="6" name="灯片编号占位符 5">
             <a:extLst>
               <a:ext uri="{FF2B5EF4-FFF2-40B4-BE49-F238E27FC236}">
-                <a16:creationId xmlns:a16="http://schemas.microsoft.com/office/drawing/2014/main" id="{20389CC1-411A-5D7E-06F2-5714998CC148}"/>
+                <a16:creationId xmlns:a16="http://schemas.microsoft.com/office/drawing/2014/main" id="{DCEFB541-3DAD-49D5-B5D4-2B9E788978CF}"/>
               </a:ext>
             </a:extLst>
           </p:cNvPr>
@@ -306,7 +306,7 @@
           <a:bodyPr/>
           <a:lstStyle/>
           <a:p>
-            <a:fld id="{B6465F1E-B31F-4C87-A7A8-5E0BC6B8694E}" type="slidenum">
+            <a:fld id="{55CBAA18-86B5-41DC-8962-7FA16DB365E0}" type="slidenum">
               <a:rPr lang="zh-CN" altLang="en-US" smtClean="0"/>
               <a:t>‹#›</a:t>
             </a:fld>
@@ -317,7 +317,7 @@
     </p:spTree>
     <p:extLst>
       <p:ext uri="{BB962C8B-B14F-4D97-AF65-F5344CB8AC3E}">
-        <p14:creationId xmlns:p14="http://schemas.microsoft.com/office/powerpoint/2010/main" val="3870576108"/>
+        <p14:creationId xmlns:p14="http://schemas.microsoft.com/office/powerpoint/2010/main" val="616042539"/>
       </p:ext>
     </p:extLst>
   </p:cSld>
@@ -349,7 +349,7 @@
           <p:cNvPr id="2" name="标题 1">
             <a:extLst>
               <a:ext uri="{FF2B5EF4-FFF2-40B4-BE49-F238E27FC236}">
-                <a16:creationId xmlns:a16="http://schemas.microsoft.com/office/drawing/2014/main" id="{590857BF-FE46-54E3-713B-93EC55E3DA63}"/>
+                <a16:creationId xmlns:a16="http://schemas.microsoft.com/office/drawing/2014/main" id="{06E67EC0-0A59-6ED0-B9B7-B3914F335E79}"/>
               </a:ext>
             </a:extLst>
           </p:cNvPr>
@@ -377,7 +377,7 @@
           <p:cNvPr id="3" name="竖排文字占位符 2">
             <a:extLst>
               <a:ext uri="{FF2B5EF4-FFF2-40B4-BE49-F238E27FC236}">
-                <a16:creationId xmlns:a16="http://schemas.microsoft.com/office/drawing/2014/main" id="{D424EAFA-BD0D-6929-455E-382262A8BB1F}"/>
+                <a16:creationId xmlns:a16="http://schemas.microsoft.com/office/drawing/2014/main" id="{29D04BDD-AE12-BBF3-7A13-A1D5AEA9CD6F}"/>
               </a:ext>
             </a:extLst>
           </p:cNvPr>
@@ -434,7 +434,7 @@
           <p:cNvPr id="4" name="日期占位符 3">
             <a:extLst>
               <a:ext uri="{FF2B5EF4-FFF2-40B4-BE49-F238E27FC236}">
-                <a16:creationId xmlns:a16="http://schemas.microsoft.com/office/drawing/2014/main" id="{D7A80BD2-8591-5DDB-0F0C-4873E07794EC}"/>
+                <a16:creationId xmlns:a16="http://schemas.microsoft.com/office/drawing/2014/main" id="{3BD8E874-1AA2-80AA-C557-5F62504DB3EF}"/>
               </a:ext>
             </a:extLst>
           </p:cNvPr>
@@ -450,7 +450,7 @@
           <a:bodyPr/>
           <a:lstStyle/>
           <a:p>
-            <a:fld id="{3339534A-07E4-4BBD-892B-459519878A6D}" type="datetimeFigureOut">
+            <a:fld id="{829EA1C9-A844-4388-80A0-97C227676C1A}" type="datetimeFigureOut">
               <a:rPr lang="zh-CN" altLang="en-US" smtClean="0"/>
               <a:t>2024/3/10</a:t>
             </a:fld>
@@ -463,7 +463,7 @@
           <p:cNvPr id="5" name="页脚占位符 4">
             <a:extLst>
               <a:ext uri="{FF2B5EF4-FFF2-40B4-BE49-F238E27FC236}">
-                <a16:creationId xmlns:a16="http://schemas.microsoft.com/office/drawing/2014/main" id="{CDE2B8EB-A342-1AF4-E133-0A5078CBE2A2}"/>
+                <a16:creationId xmlns:a16="http://schemas.microsoft.com/office/drawing/2014/main" id="{E2A281A3-2790-A485-6F18-BB106923526D}"/>
               </a:ext>
             </a:extLst>
           </p:cNvPr>
@@ -488,7 +488,7 @@
           <p:cNvPr id="6" name="灯片编号占位符 5">
             <a:extLst>
               <a:ext uri="{FF2B5EF4-FFF2-40B4-BE49-F238E27FC236}">
-                <a16:creationId xmlns:a16="http://schemas.microsoft.com/office/drawing/2014/main" id="{8D0BE5BB-A400-8ED3-3F74-D7DFEF298478}"/>
+                <a16:creationId xmlns:a16="http://schemas.microsoft.com/office/drawing/2014/main" id="{404CD3A5-FD1D-53BF-8A6A-3770C594012B}"/>
               </a:ext>
             </a:extLst>
           </p:cNvPr>
@@ -504,7 +504,7 @@
           <a:bodyPr/>
           <a:lstStyle/>
           <a:p>
-            <a:fld id="{B6465F1E-B31F-4C87-A7A8-5E0BC6B8694E}" type="slidenum">
+            <a:fld id="{55CBAA18-86B5-41DC-8962-7FA16DB365E0}" type="slidenum">
               <a:rPr lang="zh-CN" altLang="en-US" smtClean="0"/>
               <a:t>‹#›</a:t>
             </a:fld>
@@ -515,7 +515,7 @@
     </p:spTree>
     <p:extLst>
       <p:ext uri="{BB962C8B-B14F-4D97-AF65-F5344CB8AC3E}">
-        <p14:creationId xmlns:p14="http://schemas.microsoft.com/office/powerpoint/2010/main" val="3260540344"/>
+        <p14:creationId xmlns:p14="http://schemas.microsoft.com/office/powerpoint/2010/main" val="494800512"/>
       </p:ext>
     </p:extLst>
   </p:cSld>
@@ -547,7 +547,7 @@
           <p:cNvPr id="2" name="竖排标题 1">
             <a:extLst>
               <a:ext uri="{FF2B5EF4-FFF2-40B4-BE49-F238E27FC236}">
-                <a16:creationId xmlns:a16="http://schemas.microsoft.com/office/drawing/2014/main" id="{7A7C5F07-D67D-77E1-1C80-644F4DB5C198}"/>
+                <a16:creationId xmlns:a16="http://schemas.microsoft.com/office/drawing/2014/main" id="{3F3519A1-6601-6AFC-9CB2-03C8DFB1DE0D}"/>
               </a:ext>
             </a:extLst>
           </p:cNvPr>
@@ -580,7 +580,7 @@
           <p:cNvPr id="3" name="竖排文字占位符 2">
             <a:extLst>
               <a:ext uri="{FF2B5EF4-FFF2-40B4-BE49-F238E27FC236}">
-                <a16:creationId xmlns:a16="http://schemas.microsoft.com/office/drawing/2014/main" id="{D26864AE-C25F-6DD8-B233-C2935158FE9E}"/>
+                <a16:creationId xmlns:a16="http://schemas.microsoft.com/office/drawing/2014/main" id="{683B5087-0F37-7363-4580-8204D9B6176C}"/>
               </a:ext>
             </a:extLst>
           </p:cNvPr>
@@ -642,7 +642,7 @@
           <p:cNvPr id="4" name="日期占位符 3">
             <a:extLst>
               <a:ext uri="{FF2B5EF4-FFF2-40B4-BE49-F238E27FC236}">
-                <a16:creationId xmlns:a16="http://schemas.microsoft.com/office/drawing/2014/main" id="{52062DE5-5F09-25CD-0297-03A1C6E1C94F}"/>
+                <a16:creationId xmlns:a16="http://schemas.microsoft.com/office/drawing/2014/main" id="{4C46C50A-56F4-A07B-0BEC-8ADE1936DD54}"/>
               </a:ext>
             </a:extLst>
           </p:cNvPr>
@@ -658,7 +658,7 @@
           <a:bodyPr/>
           <a:lstStyle/>
           <a:p>
-            <a:fld id="{3339534A-07E4-4BBD-892B-459519878A6D}" type="datetimeFigureOut">
+            <a:fld id="{829EA1C9-A844-4388-80A0-97C227676C1A}" type="datetimeFigureOut">
               <a:rPr lang="zh-CN" altLang="en-US" smtClean="0"/>
               <a:t>2024/3/10</a:t>
             </a:fld>
@@ -671,7 +671,7 @@
           <p:cNvPr id="5" name="页脚占位符 4">
             <a:extLst>
               <a:ext uri="{FF2B5EF4-FFF2-40B4-BE49-F238E27FC236}">
-                <a16:creationId xmlns:a16="http://schemas.microsoft.com/office/drawing/2014/main" id="{B98B389D-BCB8-7995-F354-1CF6A2A3F63A}"/>
+                <a16:creationId xmlns:a16="http://schemas.microsoft.com/office/drawing/2014/main" id="{48F365B2-DF4D-136B-280D-ADA35C76D91E}"/>
               </a:ext>
             </a:extLst>
           </p:cNvPr>
@@ -696,7 +696,7 @@
           <p:cNvPr id="6" name="灯片编号占位符 5">
             <a:extLst>
               <a:ext uri="{FF2B5EF4-FFF2-40B4-BE49-F238E27FC236}">
-                <a16:creationId xmlns:a16="http://schemas.microsoft.com/office/drawing/2014/main" id="{18862D3E-787C-90BB-8DA7-455EEAEC10AF}"/>
+                <a16:creationId xmlns:a16="http://schemas.microsoft.com/office/drawing/2014/main" id="{4E9C384C-11D6-6BC6-1E5A-B090522D9A00}"/>
               </a:ext>
             </a:extLst>
           </p:cNvPr>
@@ -712,7 +712,7 @@
           <a:bodyPr/>
           <a:lstStyle/>
           <a:p>
-            <a:fld id="{B6465F1E-B31F-4C87-A7A8-5E0BC6B8694E}" type="slidenum">
+            <a:fld id="{55CBAA18-86B5-41DC-8962-7FA16DB365E0}" type="slidenum">
               <a:rPr lang="zh-CN" altLang="en-US" smtClean="0"/>
               <a:t>‹#›</a:t>
             </a:fld>
@@ -723,7 +723,7 @@
     </p:spTree>
     <p:extLst>
       <p:ext uri="{BB962C8B-B14F-4D97-AF65-F5344CB8AC3E}">
-        <p14:creationId xmlns:p14="http://schemas.microsoft.com/office/powerpoint/2010/main" val="2827996602"/>
+        <p14:creationId xmlns:p14="http://schemas.microsoft.com/office/powerpoint/2010/main" val="709247362"/>
       </p:ext>
     </p:extLst>
   </p:cSld>
@@ -755,7 +755,7 @@
           <p:cNvPr id="2" name="标题 1">
             <a:extLst>
               <a:ext uri="{FF2B5EF4-FFF2-40B4-BE49-F238E27FC236}">
-                <a16:creationId xmlns:a16="http://schemas.microsoft.com/office/drawing/2014/main" id="{642ED748-498F-D966-0BA4-399AAB214122}"/>
+                <a16:creationId xmlns:a16="http://schemas.microsoft.com/office/drawing/2014/main" id="{C62C7924-2668-B5D9-07BF-00FD3DBF8A01}"/>
               </a:ext>
             </a:extLst>
           </p:cNvPr>
@@ -783,7 +783,7 @@
           <p:cNvPr id="3" name="内容占位符 2">
             <a:extLst>
               <a:ext uri="{FF2B5EF4-FFF2-40B4-BE49-F238E27FC236}">
-                <a16:creationId xmlns:a16="http://schemas.microsoft.com/office/drawing/2014/main" id="{A9A94AFA-75A6-FCFB-A1D9-1E380795C2D5}"/>
+                <a16:creationId xmlns:a16="http://schemas.microsoft.com/office/drawing/2014/main" id="{37BBAFFC-2845-C6AF-BD77-37818429AC9E}"/>
               </a:ext>
             </a:extLst>
           </p:cNvPr>
@@ -840,7 +840,7 @@
           <p:cNvPr id="4" name="日期占位符 3">
             <a:extLst>
               <a:ext uri="{FF2B5EF4-FFF2-40B4-BE49-F238E27FC236}">
-                <a16:creationId xmlns:a16="http://schemas.microsoft.com/office/drawing/2014/main" id="{20E09313-0252-F7D7-7896-110D0305C8A7}"/>
+                <a16:creationId xmlns:a16="http://schemas.microsoft.com/office/drawing/2014/main" id="{B3F64ADE-870C-8F10-3587-C431FF471D5D}"/>
               </a:ext>
             </a:extLst>
           </p:cNvPr>
@@ -856,7 +856,7 @@
           <a:bodyPr/>
           <a:lstStyle/>
           <a:p>
-            <a:fld id="{3339534A-07E4-4BBD-892B-459519878A6D}" type="datetimeFigureOut">
+            <a:fld id="{829EA1C9-A844-4388-80A0-97C227676C1A}" type="datetimeFigureOut">
               <a:rPr lang="zh-CN" altLang="en-US" smtClean="0"/>
               <a:t>2024/3/10</a:t>
             </a:fld>
@@ -869,7 +869,7 @@
           <p:cNvPr id="5" name="页脚占位符 4">
             <a:extLst>
               <a:ext uri="{FF2B5EF4-FFF2-40B4-BE49-F238E27FC236}">
-                <a16:creationId xmlns:a16="http://schemas.microsoft.com/office/drawing/2014/main" id="{635350C8-C46B-484F-2667-053D054AB27A}"/>
+                <a16:creationId xmlns:a16="http://schemas.microsoft.com/office/drawing/2014/main" id="{459A57D4-2FF4-0C79-BECE-CB27E4CAF31A}"/>
               </a:ext>
             </a:extLst>
           </p:cNvPr>
@@ -894,7 +894,7 @@
           <p:cNvPr id="6" name="灯片编号占位符 5">
             <a:extLst>
               <a:ext uri="{FF2B5EF4-FFF2-40B4-BE49-F238E27FC236}">
-                <a16:creationId xmlns:a16="http://schemas.microsoft.com/office/drawing/2014/main" id="{39CB871D-815A-6C79-A980-554B8095BD5D}"/>
+                <a16:creationId xmlns:a16="http://schemas.microsoft.com/office/drawing/2014/main" id="{6418F633-0D39-6949-5BFB-0201E20526ED}"/>
               </a:ext>
             </a:extLst>
           </p:cNvPr>
@@ -910,7 +910,7 @@
           <a:bodyPr/>
           <a:lstStyle/>
           <a:p>
-            <a:fld id="{B6465F1E-B31F-4C87-A7A8-5E0BC6B8694E}" type="slidenum">
+            <a:fld id="{55CBAA18-86B5-41DC-8962-7FA16DB365E0}" type="slidenum">
               <a:rPr lang="zh-CN" altLang="en-US" smtClean="0"/>
               <a:t>‹#›</a:t>
             </a:fld>
@@ -921,7 +921,7 @@
     </p:spTree>
     <p:extLst>
       <p:ext uri="{BB962C8B-B14F-4D97-AF65-F5344CB8AC3E}">
-        <p14:creationId xmlns:p14="http://schemas.microsoft.com/office/powerpoint/2010/main" val="3296150839"/>
+        <p14:creationId xmlns:p14="http://schemas.microsoft.com/office/powerpoint/2010/main" val="2394585028"/>
       </p:ext>
     </p:extLst>
   </p:cSld>
@@ -953,7 +953,7 @@
           <p:cNvPr id="2" name="标题 1">
             <a:extLst>
               <a:ext uri="{FF2B5EF4-FFF2-40B4-BE49-F238E27FC236}">
-                <a16:creationId xmlns:a16="http://schemas.microsoft.com/office/drawing/2014/main" id="{12473885-796E-92EA-3F75-AF62ED0FBEB9}"/>
+                <a16:creationId xmlns:a16="http://schemas.microsoft.com/office/drawing/2014/main" id="{510924A4-B80B-DBA2-7B65-069C66D0E72C}"/>
               </a:ext>
             </a:extLst>
           </p:cNvPr>
@@ -990,7 +990,7 @@
           <p:cNvPr id="3" name="文本占位符 2">
             <a:extLst>
               <a:ext uri="{FF2B5EF4-FFF2-40B4-BE49-F238E27FC236}">
-                <a16:creationId xmlns:a16="http://schemas.microsoft.com/office/drawing/2014/main" id="{1E400241-F93C-1AC5-8A0A-EDF86CFFBF5D}"/>
+                <a16:creationId xmlns:a16="http://schemas.microsoft.com/office/drawing/2014/main" id="{50AD641D-58EC-2200-309C-2BCEA6C71B57}"/>
               </a:ext>
             </a:extLst>
           </p:cNvPr>
@@ -1115,7 +1115,7 @@
           <p:cNvPr id="4" name="日期占位符 3">
             <a:extLst>
               <a:ext uri="{FF2B5EF4-FFF2-40B4-BE49-F238E27FC236}">
-                <a16:creationId xmlns:a16="http://schemas.microsoft.com/office/drawing/2014/main" id="{D909F2B5-76D8-7FB9-B7D7-7D4150461854}"/>
+                <a16:creationId xmlns:a16="http://schemas.microsoft.com/office/drawing/2014/main" id="{594200B2-C372-9BE3-B206-998DC2558354}"/>
               </a:ext>
             </a:extLst>
           </p:cNvPr>
@@ -1131,7 +1131,7 @@
           <a:bodyPr/>
           <a:lstStyle/>
           <a:p>
-            <a:fld id="{3339534A-07E4-4BBD-892B-459519878A6D}" type="datetimeFigureOut">
+            <a:fld id="{829EA1C9-A844-4388-80A0-97C227676C1A}" type="datetimeFigureOut">
               <a:rPr lang="zh-CN" altLang="en-US" smtClean="0"/>
               <a:t>2024/3/10</a:t>
             </a:fld>
@@ -1144,7 +1144,7 @@
           <p:cNvPr id="5" name="页脚占位符 4">
             <a:extLst>
               <a:ext uri="{FF2B5EF4-FFF2-40B4-BE49-F238E27FC236}">
-                <a16:creationId xmlns:a16="http://schemas.microsoft.com/office/drawing/2014/main" id="{3CE9FA2B-7767-8007-3E2F-80999FD0BD47}"/>
+                <a16:creationId xmlns:a16="http://schemas.microsoft.com/office/drawing/2014/main" id="{C8369BD6-7101-116C-0D1D-1050E5AFBB1E}"/>
               </a:ext>
             </a:extLst>
           </p:cNvPr>
@@ -1169,7 +1169,7 @@
           <p:cNvPr id="6" name="灯片编号占位符 5">
             <a:extLst>
               <a:ext uri="{FF2B5EF4-FFF2-40B4-BE49-F238E27FC236}">
-                <a16:creationId xmlns:a16="http://schemas.microsoft.com/office/drawing/2014/main" id="{C5F4AF12-759A-6636-1F71-85AC2E28AE79}"/>
+                <a16:creationId xmlns:a16="http://schemas.microsoft.com/office/drawing/2014/main" id="{4410B272-7B8C-AE0D-0354-369F10382125}"/>
               </a:ext>
             </a:extLst>
           </p:cNvPr>
@@ -1185,7 +1185,7 @@
           <a:bodyPr/>
           <a:lstStyle/>
           <a:p>
-            <a:fld id="{B6465F1E-B31F-4C87-A7A8-5E0BC6B8694E}" type="slidenum">
+            <a:fld id="{55CBAA18-86B5-41DC-8962-7FA16DB365E0}" type="slidenum">
               <a:rPr lang="zh-CN" altLang="en-US" smtClean="0"/>
               <a:t>‹#›</a:t>
             </a:fld>
@@ -1196,7 +1196,7 @@
     </p:spTree>
     <p:extLst>
       <p:ext uri="{BB962C8B-B14F-4D97-AF65-F5344CB8AC3E}">
-        <p14:creationId xmlns:p14="http://schemas.microsoft.com/office/powerpoint/2010/main" val="3707125740"/>
+        <p14:creationId xmlns:p14="http://schemas.microsoft.com/office/powerpoint/2010/main" val="1750289405"/>
       </p:ext>
     </p:extLst>
   </p:cSld>
@@ -1228,7 +1228,7 @@
           <p:cNvPr id="2" name="标题 1">
             <a:extLst>
               <a:ext uri="{FF2B5EF4-FFF2-40B4-BE49-F238E27FC236}">
-                <a16:creationId xmlns:a16="http://schemas.microsoft.com/office/drawing/2014/main" id="{BCC9E0A6-9677-8332-30DB-D6BBCAC7FBAC}"/>
+                <a16:creationId xmlns:a16="http://schemas.microsoft.com/office/drawing/2014/main" id="{C61FCA0D-0F59-75C2-84F7-439F89540A24}"/>
               </a:ext>
             </a:extLst>
           </p:cNvPr>
@@ -1256,7 +1256,7 @@
           <p:cNvPr id="3" name="内容占位符 2">
             <a:extLst>
               <a:ext uri="{FF2B5EF4-FFF2-40B4-BE49-F238E27FC236}">
-                <a16:creationId xmlns:a16="http://schemas.microsoft.com/office/drawing/2014/main" id="{63EFFA7E-3A4F-4B13-168F-CF7DC1B348BC}"/>
+                <a16:creationId xmlns:a16="http://schemas.microsoft.com/office/drawing/2014/main" id="{CCCABAEA-5547-5C0C-00B7-F435352703F2}"/>
               </a:ext>
             </a:extLst>
           </p:cNvPr>
@@ -1318,7 +1318,7 @@
           <p:cNvPr id="4" name="内容占位符 3">
             <a:extLst>
               <a:ext uri="{FF2B5EF4-FFF2-40B4-BE49-F238E27FC236}">
-                <a16:creationId xmlns:a16="http://schemas.microsoft.com/office/drawing/2014/main" id="{684CCFAC-2BD0-E88D-3A1C-8934475378D2}"/>
+                <a16:creationId xmlns:a16="http://schemas.microsoft.com/office/drawing/2014/main" id="{FFA43FBF-D9E6-378B-5AFE-F9030ADE8D4B}"/>
               </a:ext>
             </a:extLst>
           </p:cNvPr>
@@ -1380,7 +1380,7 @@
           <p:cNvPr id="5" name="日期占位符 4">
             <a:extLst>
               <a:ext uri="{FF2B5EF4-FFF2-40B4-BE49-F238E27FC236}">
-                <a16:creationId xmlns:a16="http://schemas.microsoft.com/office/drawing/2014/main" id="{641CC385-2915-2E4E-5E5F-4B612E2FC0A9}"/>
+                <a16:creationId xmlns:a16="http://schemas.microsoft.com/office/drawing/2014/main" id="{68001104-C5CD-406F-EC66-CB97B3128E23}"/>
               </a:ext>
             </a:extLst>
           </p:cNvPr>
@@ -1396,7 +1396,7 @@
           <a:bodyPr/>
           <a:lstStyle/>
           <a:p>
-            <a:fld id="{3339534A-07E4-4BBD-892B-459519878A6D}" type="datetimeFigureOut">
+            <a:fld id="{829EA1C9-A844-4388-80A0-97C227676C1A}" type="datetimeFigureOut">
               <a:rPr lang="zh-CN" altLang="en-US" smtClean="0"/>
               <a:t>2024/3/10</a:t>
             </a:fld>
@@ -1409,7 +1409,7 @@
           <p:cNvPr id="6" name="页脚占位符 5">
             <a:extLst>
               <a:ext uri="{FF2B5EF4-FFF2-40B4-BE49-F238E27FC236}">
-                <a16:creationId xmlns:a16="http://schemas.microsoft.com/office/drawing/2014/main" id="{E670F5D5-F22F-299B-24BA-808163E34A1A}"/>
+                <a16:creationId xmlns:a16="http://schemas.microsoft.com/office/drawing/2014/main" id="{D178966C-321A-C3FB-FC60-C46DA468C6E6}"/>
               </a:ext>
             </a:extLst>
           </p:cNvPr>
@@ -1434,7 +1434,7 @@
           <p:cNvPr id="7" name="灯片编号占位符 6">
             <a:extLst>
               <a:ext uri="{FF2B5EF4-FFF2-40B4-BE49-F238E27FC236}">
-                <a16:creationId xmlns:a16="http://schemas.microsoft.com/office/drawing/2014/main" id="{DD13BA60-C4AC-F029-936E-18DACAC17C52}"/>
+                <a16:creationId xmlns:a16="http://schemas.microsoft.com/office/drawing/2014/main" id="{A852A0F8-ED37-11CF-EA08-0D6A6AE0372C}"/>
               </a:ext>
             </a:extLst>
           </p:cNvPr>
@@ -1450,7 +1450,7 @@
           <a:bodyPr/>
           <a:lstStyle/>
           <a:p>
-            <a:fld id="{B6465F1E-B31F-4C87-A7A8-5E0BC6B8694E}" type="slidenum">
+            <a:fld id="{55CBAA18-86B5-41DC-8962-7FA16DB365E0}" type="slidenum">
               <a:rPr lang="zh-CN" altLang="en-US" smtClean="0"/>
               <a:t>‹#›</a:t>
             </a:fld>
@@ -1461,7 +1461,7 @@
     </p:spTree>
     <p:extLst>
       <p:ext uri="{BB962C8B-B14F-4D97-AF65-F5344CB8AC3E}">
-        <p14:creationId xmlns:p14="http://schemas.microsoft.com/office/powerpoint/2010/main" val="151723728"/>
+        <p14:creationId xmlns:p14="http://schemas.microsoft.com/office/powerpoint/2010/main" val="1668231386"/>
       </p:ext>
     </p:extLst>
   </p:cSld>
@@ -1493,7 +1493,7 @@
           <p:cNvPr id="2" name="标题 1">
             <a:extLst>
               <a:ext uri="{FF2B5EF4-FFF2-40B4-BE49-F238E27FC236}">
-                <a16:creationId xmlns:a16="http://schemas.microsoft.com/office/drawing/2014/main" id="{C9F86696-5C25-F39B-CC1D-7B45522C6281}"/>
+                <a16:creationId xmlns:a16="http://schemas.microsoft.com/office/drawing/2014/main" id="{557F9795-C715-8026-68BB-EBCAA70E459B}"/>
               </a:ext>
             </a:extLst>
           </p:cNvPr>
@@ -1526,7 +1526,7 @@
           <p:cNvPr id="3" name="文本占位符 2">
             <a:extLst>
               <a:ext uri="{FF2B5EF4-FFF2-40B4-BE49-F238E27FC236}">
-                <a16:creationId xmlns:a16="http://schemas.microsoft.com/office/drawing/2014/main" id="{20CB8703-5EB1-92BE-ECFF-60EFDE82188F}"/>
+                <a16:creationId xmlns:a16="http://schemas.microsoft.com/office/drawing/2014/main" id="{61B2DF09-8748-0BA4-0D8F-DD99C785AA95}"/>
               </a:ext>
             </a:extLst>
           </p:cNvPr>
@@ -1597,7 +1597,7 @@
           <p:cNvPr id="4" name="内容占位符 3">
             <a:extLst>
               <a:ext uri="{FF2B5EF4-FFF2-40B4-BE49-F238E27FC236}">
-                <a16:creationId xmlns:a16="http://schemas.microsoft.com/office/drawing/2014/main" id="{52A1C0E9-8C56-F2A5-A8C8-8E9728303899}"/>
+                <a16:creationId xmlns:a16="http://schemas.microsoft.com/office/drawing/2014/main" id="{E3001117-2011-63F6-CE20-B5A4AF2520B3}"/>
               </a:ext>
             </a:extLst>
           </p:cNvPr>
@@ -1659,7 +1659,7 @@
           <p:cNvPr id="5" name="文本占位符 4">
             <a:extLst>
               <a:ext uri="{FF2B5EF4-FFF2-40B4-BE49-F238E27FC236}">
-                <a16:creationId xmlns:a16="http://schemas.microsoft.com/office/drawing/2014/main" id="{3E912AAF-9AF5-2DA2-1840-183CC318061B}"/>
+                <a16:creationId xmlns:a16="http://schemas.microsoft.com/office/drawing/2014/main" id="{C9835FD0-A438-8352-9B85-00A40A90108E}"/>
               </a:ext>
             </a:extLst>
           </p:cNvPr>
@@ -1730,7 +1730,7 @@
           <p:cNvPr id="6" name="内容占位符 5">
             <a:extLst>
               <a:ext uri="{FF2B5EF4-FFF2-40B4-BE49-F238E27FC236}">
-                <a16:creationId xmlns:a16="http://schemas.microsoft.com/office/drawing/2014/main" id="{0BC70AE3-6D7E-7460-E712-55BC562E3B0B}"/>
+                <a16:creationId xmlns:a16="http://schemas.microsoft.com/office/drawing/2014/main" id="{2D266E03-310A-AE3A-7282-6389F541ABFC}"/>
               </a:ext>
             </a:extLst>
           </p:cNvPr>
@@ -1792,7 +1792,7 @@
           <p:cNvPr id="7" name="日期占位符 6">
             <a:extLst>
               <a:ext uri="{FF2B5EF4-FFF2-40B4-BE49-F238E27FC236}">
-                <a16:creationId xmlns:a16="http://schemas.microsoft.com/office/drawing/2014/main" id="{260F3598-99E7-F8C7-A16E-4EFC238C9C7E}"/>
+                <a16:creationId xmlns:a16="http://schemas.microsoft.com/office/drawing/2014/main" id="{02E7DF2E-88D3-DEEB-A70C-5DD24E4A13B9}"/>
               </a:ext>
             </a:extLst>
           </p:cNvPr>
@@ -1808,7 +1808,7 @@
           <a:bodyPr/>
           <a:lstStyle/>
           <a:p>
-            <a:fld id="{3339534A-07E4-4BBD-892B-459519878A6D}" type="datetimeFigureOut">
+            <a:fld id="{829EA1C9-A844-4388-80A0-97C227676C1A}" type="datetimeFigureOut">
               <a:rPr lang="zh-CN" altLang="en-US" smtClean="0"/>
               <a:t>2024/3/10</a:t>
             </a:fld>
@@ -1821,7 +1821,7 @@
           <p:cNvPr id="8" name="页脚占位符 7">
             <a:extLst>
               <a:ext uri="{FF2B5EF4-FFF2-40B4-BE49-F238E27FC236}">
-                <a16:creationId xmlns:a16="http://schemas.microsoft.com/office/drawing/2014/main" id="{C5C34E97-64B9-CAEA-FCF7-DF410245C52A}"/>
+                <a16:creationId xmlns:a16="http://schemas.microsoft.com/office/drawing/2014/main" id="{44AF69DE-28A5-2422-94E4-921A1B7BA4D4}"/>
               </a:ext>
             </a:extLst>
           </p:cNvPr>
@@ -1846,7 +1846,7 @@
           <p:cNvPr id="9" name="灯片编号占位符 8">
             <a:extLst>
               <a:ext uri="{FF2B5EF4-FFF2-40B4-BE49-F238E27FC236}">
-                <a16:creationId xmlns:a16="http://schemas.microsoft.com/office/drawing/2014/main" id="{BFC14705-0868-2E41-BD73-4ED16EE40C12}"/>
+                <a16:creationId xmlns:a16="http://schemas.microsoft.com/office/drawing/2014/main" id="{414104DB-26CB-E9BC-C237-A409D18D2E97}"/>
               </a:ext>
             </a:extLst>
           </p:cNvPr>
@@ -1862,7 +1862,7 @@
           <a:bodyPr/>
           <a:lstStyle/>
           <a:p>
-            <a:fld id="{B6465F1E-B31F-4C87-A7A8-5E0BC6B8694E}" type="slidenum">
+            <a:fld id="{55CBAA18-86B5-41DC-8962-7FA16DB365E0}" type="slidenum">
               <a:rPr lang="zh-CN" altLang="en-US" smtClean="0"/>
               <a:t>‹#›</a:t>
             </a:fld>
@@ -1873,7 +1873,7 @@
     </p:spTree>
     <p:extLst>
       <p:ext uri="{BB962C8B-B14F-4D97-AF65-F5344CB8AC3E}">
-        <p14:creationId xmlns:p14="http://schemas.microsoft.com/office/powerpoint/2010/main" val="2572354337"/>
+        <p14:creationId xmlns:p14="http://schemas.microsoft.com/office/powerpoint/2010/main" val="318598657"/>
       </p:ext>
     </p:extLst>
   </p:cSld>
@@ -1905,7 +1905,7 @@
           <p:cNvPr id="2" name="标题 1">
             <a:extLst>
               <a:ext uri="{FF2B5EF4-FFF2-40B4-BE49-F238E27FC236}">
-                <a16:creationId xmlns:a16="http://schemas.microsoft.com/office/drawing/2014/main" id="{273C168E-42AC-4834-1A72-143E62D3E0E6}"/>
+                <a16:creationId xmlns:a16="http://schemas.microsoft.com/office/drawing/2014/main" id="{44B21038-EEE3-953F-E7A8-EA165A468B8B}"/>
               </a:ext>
             </a:extLst>
           </p:cNvPr>
@@ -1933,7 +1933,7 @@
           <p:cNvPr id="3" name="日期占位符 2">
             <a:extLst>
               <a:ext uri="{FF2B5EF4-FFF2-40B4-BE49-F238E27FC236}">
-                <a16:creationId xmlns:a16="http://schemas.microsoft.com/office/drawing/2014/main" id="{F99E4401-5663-20CE-70D7-73572428E888}"/>
+                <a16:creationId xmlns:a16="http://schemas.microsoft.com/office/drawing/2014/main" id="{54A593ED-BC0A-61B1-C99D-E230AE86EEC2}"/>
               </a:ext>
             </a:extLst>
           </p:cNvPr>
@@ -1949,7 +1949,7 @@
           <a:bodyPr/>
           <a:lstStyle/>
           <a:p>
-            <a:fld id="{3339534A-07E4-4BBD-892B-459519878A6D}" type="datetimeFigureOut">
+            <a:fld id="{829EA1C9-A844-4388-80A0-97C227676C1A}" type="datetimeFigureOut">
               <a:rPr lang="zh-CN" altLang="en-US" smtClean="0"/>
               <a:t>2024/3/10</a:t>
             </a:fld>
@@ -1962,7 +1962,7 @@
           <p:cNvPr id="4" name="页脚占位符 3">
             <a:extLst>
               <a:ext uri="{FF2B5EF4-FFF2-40B4-BE49-F238E27FC236}">
-                <a16:creationId xmlns:a16="http://schemas.microsoft.com/office/drawing/2014/main" id="{B6943F0D-A141-4E49-344A-2B5DA9BFCAD8}"/>
+                <a16:creationId xmlns:a16="http://schemas.microsoft.com/office/drawing/2014/main" id="{A91A1E05-D00A-4A80-3377-40CCC23ADAB6}"/>
               </a:ext>
             </a:extLst>
           </p:cNvPr>
@@ -1987,7 +1987,7 @@
           <p:cNvPr id="5" name="灯片编号占位符 4">
             <a:extLst>
               <a:ext uri="{FF2B5EF4-FFF2-40B4-BE49-F238E27FC236}">
-                <a16:creationId xmlns:a16="http://schemas.microsoft.com/office/drawing/2014/main" id="{91646860-21A6-3302-33F1-360EF0709FA8}"/>
+                <a16:creationId xmlns:a16="http://schemas.microsoft.com/office/drawing/2014/main" id="{597EE09A-06B1-ABF0-A7FD-486E664AA801}"/>
               </a:ext>
             </a:extLst>
           </p:cNvPr>
@@ -2003,7 +2003,7 @@
           <a:bodyPr/>
           <a:lstStyle/>
           <a:p>
-            <a:fld id="{B6465F1E-B31F-4C87-A7A8-5E0BC6B8694E}" type="slidenum">
+            <a:fld id="{55CBAA18-86B5-41DC-8962-7FA16DB365E0}" type="slidenum">
               <a:rPr lang="zh-CN" altLang="en-US" smtClean="0"/>
               <a:t>‹#›</a:t>
             </a:fld>
@@ -2014,7 +2014,7 @@
     </p:spTree>
     <p:extLst>
       <p:ext uri="{BB962C8B-B14F-4D97-AF65-F5344CB8AC3E}">
-        <p14:creationId xmlns:p14="http://schemas.microsoft.com/office/powerpoint/2010/main" val="2492803585"/>
+        <p14:creationId xmlns:p14="http://schemas.microsoft.com/office/powerpoint/2010/main" val="7743880"/>
       </p:ext>
     </p:extLst>
   </p:cSld>
@@ -2046,7 +2046,7 @@
           <p:cNvPr id="2" name="日期占位符 1">
             <a:extLst>
               <a:ext uri="{FF2B5EF4-FFF2-40B4-BE49-F238E27FC236}">
-                <a16:creationId xmlns:a16="http://schemas.microsoft.com/office/drawing/2014/main" id="{0EA05CED-CFF7-03DA-0FAB-40564ABF0AF2}"/>
+                <a16:creationId xmlns:a16="http://schemas.microsoft.com/office/drawing/2014/main" id="{2038F5A3-CE2D-AD0F-FD4D-B38533678449}"/>
               </a:ext>
             </a:extLst>
           </p:cNvPr>
@@ -2062,7 +2062,7 @@
           <a:bodyPr/>
           <a:lstStyle/>
           <a:p>
-            <a:fld id="{3339534A-07E4-4BBD-892B-459519878A6D}" type="datetimeFigureOut">
+            <a:fld id="{829EA1C9-A844-4388-80A0-97C227676C1A}" type="datetimeFigureOut">
               <a:rPr lang="zh-CN" altLang="en-US" smtClean="0"/>
               <a:t>2024/3/10</a:t>
             </a:fld>
@@ -2075,7 +2075,7 @@
           <p:cNvPr id="3" name="页脚占位符 2">
             <a:extLst>
               <a:ext uri="{FF2B5EF4-FFF2-40B4-BE49-F238E27FC236}">
-                <a16:creationId xmlns:a16="http://schemas.microsoft.com/office/drawing/2014/main" id="{D3D4C502-FFA2-D5DA-CA3F-95AA891CE0E7}"/>
+                <a16:creationId xmlns:a16="http://schemas.microsoft.com/office/drawing/2014/main" id="{E430C251-9187-C36C-19C7-62696791321C}"/>
               </a:ext>
             </a:extLst>
           </p:cNvPr>
@@ -2100,7 +2100,7 @@
           <p:cNvPr id="4" name="灯片编号占位符 3">
             <a:extLst>
               <a:ext uri="{FF2B5EF4-FFF2-40B4-BE49-F238E27FC236}">
-                <a16:creationId xmlns:a16="http://schemas.microsoft.com/office/drawing/2014/main" id="{B96C551A-431D-02B1-4663-166C0E8E05B2}"/>
+                <a16:creationId xmlns:a16="http://schemas.microsoft.com/office/drawing/2014/main" id="{D21E854A-7CF7-3F8D-BD87-0DC939D473E9}"/>
               </a:ext>
             </a:extLst>
           </p:cNvPr>
@@ -2116,7 +2116,7 @@
           <a:bodyPr/>
           <a:lstStyle/>
           <a:p>
-            <a:fld id="{B6465F1E-B31F-4C87-A7A8-5E0BC6B8694E}" type="slidenum">
+            <a:fld id="{55CBAA18-86B5-41DC-8962-7FA16DB365E0}" type="slidenum">
               <a:rPr lang="zh-CN" altLang="en-US" smtClean="0"/>
               <a:t>‹#›</a:t>
             </a:fld>
@@ -2127,7 +2127,7 @@
     </p:spTree>
     <p:extLst>
       <p:ext uri="{BB962C8B-B14F-4D97-AF65-F5344CB8AC3E}">
-        <p14:creationId xmlns:p14="http://schemas.microsoft.com/office/powerpoint/2010/main" val="3685462677"/>
+        <p14:creationId xmlns:p14="http://schemas.microsoft.com/office/powerpoint/2010/main" val="3522225142"/>
       </p:ext>
     </p:extLst>
   </p:cSld>
@@ -2159,7 +2159,7 @@
           <p:cNvPr id="2" name="标题 1">
             <a:extLst>
               <a:ext uri="{FF2B5EF4-FFF2-40B4-BE49-F238E27FC236}">
-                <a16:creationId xmlns:a16="http://schemas.microsoft.com/office/drawing/2014/main" id="{B2A049CE-4FE0-C8AF-27C5-A8B4D821CC51}"/>
+                <a16:creationId xmlns:a16="http://schemas.microsoft.com/office/drawing/2014/main" id="{5B24D180-2572-1EE0-6EA7-B7520E99F6CF}"/>
               </a:ext>
             </a:extLst>
           </p:cNvPr>
@@ -2196,7 +2196,7 @@
           <p:cNvPr id="3" name="内容占位符 2">
             <a:extLst>
               <a:ext uri="{FF2B5EF4-FFF2-40B4-BE49-F238E27FC236}">
-                <a16:creationId xmlns:a16="http://schemas.microsoft.com/office/drawing/2014/main" id="{AE9FB83A-B869-53C5-1BC0-BE7055B40FCF}"/>
+                <a16:creationId xmlns:a16="http://schemas.microsoft.com/office/drawing/2014/main" id="{D688579F-6881-8B9D-322D-0AEBD4C5B9E0}"/>
               </a:ext>
             </a:extLst>
           </p:cNvPr>
@@ -2286,7 +2286,7 @@
           <p:cNvPr id="4" name="文本占位符 3">
             <a:extLst>
               <a:ext uri="{FF2B5EF4-FFF2-40B4-BE49-F238E27FC236}">
-                <a16:creationId xmlns:a16="http://schemas.microsoft.com/office/drawing/2014/main" id="{D77CAC22-CC65-7856-B86A-C2EADB4C404C}"/>
+                <a16:creationId xmlns:a16="http://schemas.microsoft.com/office/drawing/2014/main" id="{150274D3-DFA4-DF8B-7C43-243BB91B50F5}"/>
               </a:ext>
             </a:extLst>
           </p:cNvPr>
@@ -2357,7 +2357,7 @@
           <p:cNvPr id="5" name="日期占位符 4">
             <a:extLst>
               <a:ext uri="{FF2B5EF4-FFF2-40B4-BE49-F238E27FC236}">
-                <a16:creationId xmlns:a16="http://schemas.microsoft.com/office/drawing/2014/main" id="{8D5B8C1B-F646-39DD-D499-0032E2AB2F14}"/>
+                <a16:creationId xmlns:a16="http://schemas.microsoft.com/office/drawing/2014/main" id="{3171B727-9604-53DE-150A-372B8D3F7091}"/>
               </a:ext>
             </a:extLst>
           </p:cNvPr>
@@ -2373,7 +2373,7 @@
           <a:bodyPr/>
           <a:lstStyle/>
           <a:p>
-            <a:fld id="{3339534A-07E4-4BBD-892B-459519878A6D}" type="datetimeFigureOut">
+            <a:fld id="{829EA1C9-A844-4388-80A0-97C227676C1A}" type="datetimeFigureOut">
               <a:rPr lang="zh-CN" altLang="en-US" smtClean="0"/>
               <a:t>2024/3/10</a:t>
             </a:fld>
@@ -2386,7 +2386,7 @@
           <p:cNvPr id="6" name="页脚占位符 5">
             <a:extLst>
               <a:ext uri="{FF2B5EF4-FFF2-40B4-BE49-F238E27FC236}">
-                <a16:creationId xmlns:a16="http://schemas.microsoft.com/office/drawing/2014/main" id="{9BFF6901-8799-9F45-BFA4-2DEFD5B0B951}"/>
+                <a16:creationId xmlns:a16="http://schemas.microsoft.com/office/drawing/2014/main" id="{0580C459-9FA2-913D-5C5E-051A1AC0B041}"/>
               </a:ext>
             </a:extLst>
           </p:cNvPr>
@@ -2411,7 +2411,7 @@
           <p:cNvPr id="7" name="灯片编号占位符 6">
             <a:extLst>
               <a:ext uri="{FF2B5EF4-FFF2-40B4-BE49-F238E27FC236}">
-                <a16:creationId xmlns:a16="http://schemas.microsoft.com/office/drawing/2014/main" id="{EE46B66B-6B5F-D9C8-9B67-4636CE16142D}"/>
+                <a16:creationId xmlns:a16="http://schemas.microsoft.com/office/drawing/2014/main" id="{F8D54294-F841-FADC-B92E-EE18A7D31609}"/>
               </a:ext>
             </a:extLst>
           </p:cNvPr>
@@ -2427,7 +2427,7 @@
           <a:bodyPr/>
           <a:lstStyle/>
           <a:p>
-            <a:fld id="{B6465F1E-B31F-4C87-A7A8-5E0BC6B8694E}" type="slidenum">
+            <a:fld id="{55CBAA18-86B5-41DC-8962-7FA16DB365E0}" type="slidenum">
               <a:rPr lang="zh-CN" altLang="en-US" smtClean="0"/>
               <a:t>‹#›</a:t>
             </a:fld>
@@ -2438,7 +2438,7 @@
     </p:spTree>
     <p:extLst>
       <p:ext uri="{BB962C8B-B14F-4D97-AF65-F5344CB8AC3E}">
-        <p14:creationId xmlns:p14="http://schemas.microsoft.com/office/powerpoint/2010/main" val="3717672417"/>
+        <p14:creationId xmlns:p14="http://schemas.microsoft.com/office/powerpoint/2010/main" val="3726326718"/>
       </p:ext>
     </p:extLst>
   </p:cSld>
@@ -2470,7 +2470,7 @@
           <p:cNvPr id="2" name="标题 1">
             <a:extLst>
               <a:ext uri="{FF2B5EF4-FFF2-40B4-BE49-F238E27FC236}">
-                <a16:creationId xmlns:a16="http://schemas.microsoft.com/office/drawing/2014/main" id="{0824A3B3-E9D6-9C49-33B2-F153711C1B5C}"/>
+                <a16:creationId xmlns:a16="http://schemas.microsoft.com/office/drawing/2014/main" id="{B5664FB5-17D6-ADF5-C236-864E14DECA25}"/>
               </a:ext>
             </a:extLst>
           </p:cNvPr>
@@ -2507,7 +2507,7 @@
           <p:cNvPr id="3" name="图片占位符 2">
             <a:extLst>
               <a:ext uri="{FF2B5EF4-FFF2-40B4-BE49-F238E27FC236}">
-                <a16:creationId xmlns:a16="http://schemas.microsoft.com/office/drawing/2014/main" id="{D645C782-B0E2-0232-CED5-BE59A0FC6054}"/>
+                <a16:creationId xmlns:a16="http://schemas.microsoft.com/office/drawing/2014/main" id="{C5B8478E-ED07-D7D3-7351-12B129E04F8F}"/>
               </a:ext>
             </a:extLst>
           </p:cNvPr>
@@ -2574,7 +2574,7 @@
           <p:cNvPr id="4" name="文本占位符 3">
             <a:extLst>
               <a:ext uri="{FF2B5EF4-FFF2-40B4-BE49-F238E27FC236}">
-                <a16:creationId xmlns:a16="http://schemas.microsoft.com/office/drawing/2014/main" id="{87948401-28BE-9E2F-FB66-06873100D4F1}"/>
+                <a16:creationId xmlns:a16="http://schemas.microsoft.com/office/drawing/2014/main" id="{EC6EBA56-D4A7-697B-9B07-EC2573219CFF}"/>
               </a:ext>
             </a:extLst>
           </p:cNvPr>
@@ -2645,7 +2645,7 @@
           <p:cNvPr id="5" name="日期占位符 4">
             <a:extLst>
               <a:ext uri="{FF2B5EF4-FFF2-40B4-BE49-F238E27FC236}">
-                <a16:creationId xmlns:a16="http://schemas.microsoft.com/office/drawing/2014/main" id="{588983F3-4708-3568-14B4-99297857F8BE}"/>
+                <a16:creationId xmlns:a16="http://schemas.microsoft.com/office/drawing/2014/main" id="{5CA840FA-2838-82E5-0D5B-72A9A3003825}"/>
               </a:ext>
             </a:extLst>
           </p:cNvPr>
@@ -2661,7 +2661,7 @@
           <a:bodyPr/>
           <a:lstStyle/>
           <a:p>
-            <a:fld id="{3339534A-07E4-4BBD-892B-459519878A6D}" type="datetimeFigureOut">
+            <a:fld id="{829EA1C9-A844-4388-80A0-97C227676C1A}" type="datetimeFigureOut">
               <a:rPr lang="zh-CN" altLang="en-US" smtClean="0"/>
               <a:t>2024/3/10</a:t>
             </a:fld>
@@ -2674,7 +2674,7 @@
           <p:cNvPr id="6" name="页脚占位符 5">
             <a:extLst>
               <a:ext uri="{FF2B5EF4-FFF2-40B4-BE49-F238E27FC236}">
-                <a16:creationId xmlns:a16="http://schemas.microsoft.com/office/drawing/2014/main" id="{B4B46CB0-F743-63AC-6720-786DF25C241C}"/>
+                <a16:creationId xmlns:a16="http://schemas.microsoft.com/office/drawing/2014/main" id="{FE8E921D-8B5D-7C30-B217-66B28103E430}"/>
               </a:ext>
             </a:extLst>
           </p:cNvPr>
@@ -2699,7 +2699,7 @@
           <p:cNvPr id="7" name="灯片编号占位符 6">
             <a:extLst>
               <a:ext uri="{FF2B5EF4-FFF2-40B4-BE49-F238E27FC236}">
-                <a16:creationId xmlns:a16="http://schemas.microsoft.com/office/drawing/2014/main" id="{14B46D63-B667-E579-3466-6CD72DF33CBD}"/>
+                <a16:creationId xmlns:a16="http://schemas.microsoft.com/office/drawing/2014/main" id="{389EA4F3-A837-D2D4-6B18-EA8E8EEC4918}"/>
               </a:ext>
             </a:extLst>
           </p:cNvPr>
@@ -2715,7 +2715,7 @@
           <a:bodyPr/>
           <a:lstStyle/>
           <a:p>
-            <a:fld id="{B6465F1E-B31F-4C87-A7A8-5E0BC6B8694E}" type="slidenum">
+            <a:fld id="{55CBAA18-86B5-41DC-8962-7FA16DB365E0}" type="slidenum">
               <a:rPr lang="zh-CN" altLang="en-US" smtClean="0"/>
               <a:t>‹#›</a:t>
             </a:fld>
@@ -2726,7 +2726,7 @@
     </p:spTree>
     <p:extLst>
       <p:ext uri="{BB962C8B-B14F-4D97-AF65-F5344CB8AC3E}">
-        <p14:creationId xmlns:p14="http://schemas.microsoft.com/office/powerpoint/2010/main" val="2936065006"/>
+        <p14:creationId xmlns:p14="http://schemas.microsoft.com/office/powerpoint/2010/main" val="1952564026"/>
       </p:ext>
     </p:extLst>
   </p:cSld>
@@ -2763,7 +2763,7 @@
           <p:cNvPr id="2" name="标题占位符 1">
             <a:extLst>
               <a:ext uri="{FF2B5EF4-FFF2-40B4-BE49-F238E27FC236}">
-                <a16:creationId xmlns:a16="http://schemas.microsoft.com/office/drawing/2014/main" id="{04666C7A-36BB-5329-49AE-5A394FB6FB70}"/>
+                <a16:creationId xmlns:a16="http://schemas.microsoft.com/office/drawing/2014/main" id="{4973A956-641B-155F-FD64-1AB2504ED156}"/>
               </a:ext>
             </a:extLst>
           </p:cNvPr>
@@ -2801,7 +2801,7 @@
           <p:cNvPr id="3" name="文本占位符 2">
             <a:extLst>
               <a:ext uri="{FF2B5EF4-FFF2-40B4-BE49-F238E27FC236}">
-                <a16:creationId xmlns:a16="http://schemas.microsoft.com/office/drawing/2014/main" id="{CFDD54BB-5F28-4683-DF2D-B4E19D7FD655}"/>
+                <a16:creationId xmlns:a16="http://schemas.microsoft.com/office/drawing/2014/main" id="{AB407759-A8D0-88A1-12C3-C67C0D4850D1}"/>
               </a:ext>
             </a:extLst>
           </p:cNvPr>
@@ -2868,7 +2868,7 @@
           <p:cNvPr id="4" name="日期占位符 3">
             <a:extLst>
               <a:ext uri="{FF2B5EF4-FFF2-40B4-BE49-F238E27FC236}">
-                <a16:creationId xmlns:a16="http://schemas.microsoft.com/office/drawing/2014/main" id="{8D9D6D40-DDC5-D3B4-79CD-0660DBF9D8C9}"/>
+                <a16:creationId xmlns:a16="http://schemas.microsoft.com/office/drawing/2014/main" id="{E36E0506-366E-CD85-20A5-48F4964768AA}"/>
               </a:ext>
             </a:extLst>
           </p:cNvPr>
@@ -2902,7 +2902,7 @@
             </a:lvl1pPr>
           </a:lstStyle>
           <a:p>
-            <a:fld id="{3339534A-07E4-4BBD-892B-459519878A6D}" type="datetimeFigureOut">
+            <a:fld id="{829EA1C9-A844-4388-80A0-97C227676C1A}" type="datetimeFigureOut">
               <a:rPr lang="zh-CN" altLang="en-US" smtClean="0"/>
               <a:t>2024/3/10</a:t>
             </a:fld>
@@ -2915,7 +2915,7 @@
           <p:cNvPr id="5" name="页脚占位符 4">
             <a:extLst>
               <a:ext uri="{FF2B5EF4-FFF2-40B4-BE49-F238E27FC236}">
-                <a16:creationId xmlns:a16="http://schemas.microsoft.com/office/drawing/2014/main" id="{483B34C2-97EE-7AD3-FD54-FE9C1D8425ED}"/>
+                <a16:creationId xmlns:a16="http://schemas.microsoft.com/office/drawing/2014/main" id="{41BCDFB9-F9D2-7FF6-F7C3-50365FD5FC8C}"/>
               </a:ext>
             </a:extLst>
           </p:cNvPr>
@@ -2958,7 +2958,7 @@
           <p:cNvPr id="6" name="灯片编号占位符 5">
             <a:extLst>
               <a:ext uri="{FF2B5EF4-FFF2-40B4-BE49-F238E27FC236}">
-                <a16:creationId xmlns:a16="http://schemas.microsoft.com/office/drawing/2014/main" id="{C5FB010A-1B08-4643-A67A-A3E013F22AB5}"/>
+                <a16:creationId xmlns:a16="http://schemas.microsoft.com/office/drawing/2014/main" id="{20A72235-AEBB-A7A9-2565-B06EAC2FF890}"/>
               </a:ext>
             </a:extLst>
           </p:cNvPr>
@@ -2992,7 +2992,7 @@
             </a:lvl1pPr>
           </a:lstStyle>
           <a:p>
-            <a:fld id="{B6465F1E-B31F-4C87-A7A8-5E0BC6B8694E}" type="slidenum">
+            <a:fld id="{55CBAA18-86B5-41DC-8962-7FA16DB365E0}" type="slidenum">
               <a:rPr lang="zh-CN" altLang="en-US" smtClean="0"/>
               <a:t>‹#›</a:t>
             </a:fld>
@@ -3003,7 +3003,7 @@
     </p:spTree>
     <p:extLst>
       <p:ext uri="{BB962C8B-B14F-4D97-AF65-F5344CB8AC3E}">
-        <p14:creationId xmlns:p14="http://schemas.microsoft.com/office/powerpoint/2010/main" val="2216391226"/>
+        <p14:creationId xmlns:p14="http://schemas.microsoft.com/office/powerpoint/2010/main" val="1391222297"/>
       </p:ext>
     </p:extLst>
   </p:cSld>
